--- a/docs/products/business_plan_components.pptx
+++ b/docs/products/business_plan_components.pptx
@@ -5,7 +5,7 @@
     <p:sldMasterId id="2147483648" r:id="rId1"/>
   </p:sldMasterIdLst>
   <p:sldIdLst>
-    <p:sldId id="259" r:id="rId3"/>
+    <p:sldId id="259" r:id="rId2"/>
   </p:sldIdLst>
   <p:sldSz cx="9144000" cy="6858000" type="screen4x3"/>
   <p:notesSz cx="6858000" cy="9144000"/>
@@ -288,6 +288,7 @@
           <a:p>
             <a:fld id="{8D52E752-28E5-4368-B467-FD45E17F2D0E}" type="datetimeFigureOut">
               <a:rPr lang="en-US" smtClean="0"/>
+              <a:t>9/21/2017</a:t>
             </a:fld>
             <a:endParaRPr lang="en-US"/>
           </a:p>
@@ -329,6 +330,7 @@
           <a:p>
             <a:fld id="{24EAE0EF-B234-4381-877B-176780D00FD9}" type="slidenum">
               <a:rPr lang="en-US" smtClean="0"/>
+              <a:t>‹#›</a:t>
             </a:fld>
             <a:endParaRPr lang="en-US"/>
           </a:p>
@@ -402,7 +404,6 @@
               <a:rPr lang="en-US" smtClean="0"/>
               <a:t>Click to edit Master text styles</a:t>
             </a:r>
-            <a:endParaRPr lang="en-US" smtClean="0"/>
           </a:p>
           <a:p>
             <a:pPr lvl="1"/>
@@ -410,7 +411,6 @@
               <a:rPr lang="en-US" smtClean="0"/>
               <a:t>Second level</a:t>
             </a:r>
-            <a:endParaRPr lang="en-US" smtClean="0"/>
           </a:p>
           <a:p>
             <a:pPr lvl="2"/>
@@ -418,7 +418,6 @@
               <a:rPr lang="en-US" smtClean="0"/>
               <a:t>Third level</a:t>
             </a:r>
-            <a:endParaRPr lang="en-US" smtClean="0"/>
           </a:p>
           <a:p>
             <a:pPr lvl="3"/>
@@ -426,7 +425,6 @@
               <a:rPr lang="en-US" smtClean="0"/>
               <a:t>Fourth level</a:t>
             </a:r>
-            <a:endParaRPr lang="en-US" smtClean="0"/>
           </a:p>
           <a:p>
             <a:pPr lvl="4"/>
@@ -455,6 +453,7 @@
           <a:p>
             <a:fld id="{8D52E752-28E5-4368-B467-FD45E17F2D0E}" type="datetimeFigureOut">
               <a:rPr lang="en-US" smtClean="0"/>
+              <a:t>9/21/2017</a:t>
             </a:fld>
             <a:endParaRPr lang="en-US"/>
           </a:p>
@@ -496,6 +495,7 @@
           <a:p>
             <a:fld id="{24EAE0EF-B234-4381-877B-176780D00FD9}" type="slidenum">
               <a:rPr lang="en-US" smtClean="0"/>
+              <a:t>‹#›</a:t>
             </a:fld>
             <a:endParaRPr lang="en-US"/>
           </a:p>
@@ -579,7 +579,6 @@
               <a:rPr lang="en-US" smtClean="0"/>
               <a:t>Click to edit Master text styles</a:t>
             </a:r>
-            <a:endParaRPr lang="en-US" smtClean="0"/>
           </a:p>
           <a:p>
             <a:pPr lvl="1"/>
@@ -587,7 +586,6 @@
               <a:rPr lang="en-US" smtClean="0"/>
               <a:t>Second level</a:t>
             </a:r>
-            <a:endParaRPr lang="en-US" smtClean="0"/>
           </a:p>
           <a:p>
             <a:pPr lvl="2"/>
@@ -595,7 +593,6 @@
               <a:rPr lang="en-US" smtClean="0"/>
               <a:t>Third level</a:t>
             </a:r>
-            <a:endParaRPr lang="en-US" smtClean="0"/>
           </a:p>
           <a:p>
             <a:pPr lvl="3"/>
@@ -603,7 +600,6 @@
               <a:rPr lang="en-US" smtClean="0"/>
               <a:t>Fourth level</a:t>
             </a:r>
-            <a:endParaRPr lang="en-US" smtClean="0"/>
           </a:p>
           <a:p>
             <a:pPr lvl="4"/>
@@ -632,6 +628,7 @@
           <a:p>
             <a:fld id="{8D52E752-28E5-4368-B467-FD45E17F2D0E}" type="datetimeFigureOut">
               <a:rPr lang="en-US" smtClean="0"/>
+              <a:t>9/21/2017</a:t>
             </a:fld>
             <a:endParaRPr lang="en-US"/>
           </a:p>
@@ -673,6 +670,7 @@
           <a:p>
             <a:fld id="{24EAE0EF-B234-4381-877B-176780D00FD9}" type="slidenum">
               <a:rPr lang="en-US" smtClean="0"/>
+              <a:t>‹#›</a:t>
             </a:fld>
             <a:endParaRPr lang="en-US"/>
           </a:p>
@@ -746,7 +744,6 @@
               <a:rPr lang="en-US" smtClean="0"/>
               <a:t>Click to edit Master text styles</a:t>
             </a:r>
-            <a:endParaRPr lang="en-US" smtClean="0"/>
           </a:p>
           <a:p>
             <a:pPr lvl="1"/>
@@ -754,7 +751,6 @@
               <a:rPr lang="en-US" smtClean="0"/>
               <a:t>Second level</a:t>
             </a:r>
-            <a:endParaRPr lang="en-US" smtClean="0"/>
           </a:p>
           <a:p>
             <a:pPr lvl="2"/>
@@ -762,7 +758,6 @@
               <a:rPr lang="en-US" smtClean="0"/>
               <a:t>Third level</a:t>
             </a:r>
-            <a:endParaRPr lang="en-US" smtClean="0"/>
           </a:p>
           <a:p>
             <a:pPr lvl="3"/>
@@ -770,7 +765,6 @@
               <a:rPr lang="en-US" smtClean="0"/>
               <a:t>Fourth level</a:t>
             </a:r>
-            <a:endParaRPr lang="en-US" smtClean="0"/>
           </a:p>
           <a:p>
             <a:pPr lvl="4"/>
@@ -799,6 +793,7 @@
           <a:p>
             <a:fld id="{8D52E752-28E5-4368-B467-FD45E17F2D0E}" type="datetimeFigureOut">
               <a:rPr lang="en-US" smtClean="0"/>
+              <a:t>9/21/2017</a:t>
             </a:fld>
             <a:endParaRPr lang="en-US"/>
           </a:p>
@@ -840,6 +835,7 @@
           <a:p>
             <a:fld id="{24EAE0EF-B234-4381-877B-176780D00FD9}" type="slidenum">
               <a:rPr lang="en-US" smtClean="0"/>
+              <a:t>‹#›</a:t>
             </a:fld>
             <a:endParaRPr lang="en-US"/>
           </a:p>
@@ -1018,7 +1014,6 @@
               <a:rPr lang="en-US" smtClean="0"/>
               <a:t>Click to edit Master text styles</a:t>
             </a:r>
-            <a:endParaRPr lang="en-US" smtClean="0"/>
           </a:p>
         </p:txBody>
       </p:sp>
@@ -1039,6 +1034,7 @@
           <a:p>
             <a:fld id="{8D52E752-28E5-4368-B467-FD45E17F2D0E}" type="datetimeFigureOut">
               <a:rPr lang="en-US" smtClean="0"/>
+              <a:t>9/21/2017</a:t>
             </a:fld>
             <a:endParaRPr lang="en-US"/>
           </a:p>
@@ -1080,6 +1076,7 @@
           <a:p>
             <a:fld id="{24EAE0EF-B234-4381-877B-176780D00FD9}" type="slidenum">
               <a:rPr lang="en-US" smtClean="0"/>
+              <a:t>‹#›</a:t>
             </a:fld>
             <a:endParaRPr lang="en-US"/>
           </a:p>
@@ -1186,7 +1183,6 @@
               <a:rPr lang="en-US" smtClean="0"/>
               <a:t>Click to edit Master text styles</a:t>
             </a:r>
-            <a:endParaRPr lang="en-US" smtClean="0"/>
           </a:p>
           <a:p>
             <a:pPr lvl="1"/>
@@ -1194,7 +1190,6 @@
               <a:rPr lang="en-US" smtClean="0"/>
               <a:t>Second level</a:t>
             </a:r>
-            <a:endParaRPr lang="en-US" smtClean="0"/>
           </a:p>
           <a:p>
             <a:pPr lvl="2"/>
@@ -1202,7 +1197,6 @@
               <a:rPr lang="en-US" smtClean="0"/>
               <a:t>Third level</a:t>
             </a:r>
-            <a:endParaRPr lang="en-US" smtClean="0"/>
           </a:p>
           <a:p>
             <a:pPr lvl="3"/>
@@ -1210,7 +1204,6 @@
               <a:rPr lang="en-US" smtClean="0"/>
               <a:t>Fourth level</a:t>
             </a:r>
-            <a:endParaRPr lang="en-US" smtClean="0"/>
           </a:p>
           <a:p>
             <a:pPr lvl="4"/>
@@ -1275,7 +1268,6 @@
               <a:rPr lang="en-US" smtClean="0"/>
               <a:t>Click to edit Master text styles</a:t>
             </a:r>
-            <a:endParaRPr lang="en-US" smtClean="0"/>
           </a:p>
           <a:p>
             <a:pPr lvl="1"/>
@@ -1283,7 +1275,6 @@
               <a:rPr lang="en-US" smtClean="0"/>
               <a:t>Second level</a:t>
             </a:r>
-            <a:endParaRPr lang="en-US" smtClean="0"/>
           </a:p>
           <a:p>
             <a:pPr lvl="2"/>
@@ -1291,7 +1282,6 @@
               <a:rPr lang="en-US" smtClean="0"/>
               <a:t>Third level</a:t>
             </a:r>
-            <a:endParaRPr lang="en-US" smtClean="0"/>
           </a:p>
           <a:p>
             <a:pPr lvl="3"/>
@@ -1299,7 +1289,6 @@
               <a:rPr lang="en-US" smtClean="0"/>
               <a:t>Fourth level</a:t>
             </a:r>
-            <a:endParaRPr lang="en-US" smtClean="0"/>
           </a:p>
           <a:p>
             <a:pPr lvl="4"/>
@@ -1328,6 +1317,7 @@
           <a:p>
             <a:fld id="{8D52E752-28E5-4368-B467-FD45E17F2D0E}" type="datetimeFigureOut">
               <a:rPr lang="en-US" smtClean="0"/>
+              <a:t>9/21/2017</a:t>
             </a:fld>
             <a:endParaRPr lang="en-US"/>
           </a:p>
@@ -1369,6 +1359,7 @@
           <a:p>
             <a:fld id="{24EAE0EF-B234-4381-877B-176780D00FD9}" type="slidenum">
               <a:rPr lang="en-US" smtClean="0"/>
+              <a:t>‹#›</a:t>
             </a:fld>
             <a:endParaRPr lang="en-US"/>
           </a:p>
@@ -1488,7 +1479,6 @@
               <a:rPr lang="en-US" smtClean="0"/>
               <a:t>Click to edit Master text styles</a:t>
             </a:r>
-            <a:endParaRPr lang="en-US" smtClean="0"/>
           </a:p>
         </p:txBody>
       </p:sp>
@@ -1545,7 +1535,6 @@
               <a:rPr lang="en-US" smtClean="0"/>
               <a:t>Click to edit Master text styles</a:t>
             </a:r>
-            <a:endParaRPr lang="en-US" smtClean="0"/>
           </a:p>
           <a:p>
             <a:pPr lvl="1"/>
@@ -1553,7 +1542,6 @@
               <a:rPr lang="en-US" smtClean="0"/>
               <a:t>Second level</a:t>
             </a:r>
-            <a:endParaRPr lang="en-US" smtClean="0"/>
           </a:p>
           <a:p>
             <a:pPr lvl="2"/>
@@ -1561,7 +1549,6 @@
               <a:rPr lang="en-US" smtClean="0"/>
               <a:t>Third level</a:t>
             </a:r>
-            <a:endParaRPr lang="en-US" smtClean="0"/>
           </a:p>
           <a:p>
             <a:pPr lvl="3"/>
@@ -1569,7 +1556,6 @@
               <a:rPr lang="en-US" smtClean="0"/>
               <a:t>Fourth level</a:t>
             </a:r>
-            <a:endParaRPr lang="en-US" smtClean="0"/>
           </a:p>
           <a:p>
             <a:pPr lvl="4"/>
@@ -1643,7 +1629,6 @@
               <a:rPr lang="en-US" smtClean="0"/>
               <a:t>Click to edit Master text styles</a:t>
             </a:r>
-            <a:endParaRPr lang="en-US" smtClean="0"/>
           </a:p>
         </p:txBody>
       </p:sp>
@@ -1700,7 +1685,6 @@
               <a:rPr lang="en-US" smtClean="0"/>
               <a:t>Click to edit Master text styles</a:t>
             </a:r>
-            <a:endParaRPr lang="en-US" smtClean="0"/>
           </a:p>
           <a:p>
             <a:pPr lvl="1"/>
@@ -1708,7 +1692,6 @@
               <a:rPr lang="en-US" smtClean="0"/>
               <a:t>Second level</a:t>
             </a:r>
-            <a:endParaRPr lang="en-US" smtClean="0"/>
           </a:p>
           <a:p>
             <a:pPr lvl="2"/>
@@ -1716,7 +1699,6 @@
               <a:rPr lang="en-US" smtClean="0"/>
               <a:t>Third level</a:t>
             </a:r>
-            <a:endParaRPr lang="en-US" smtClean="0"/>
           </a:p>
           <a:p>
             <a:pPr lvl="3"/>
@@ -1724,7 +1706,6 @@
               <a:rPr lang="en-US" smtClean="0"/>
               <a:t>Fourth level</a:t>
             </a:r>
-            <a:endParaRPr lang="en-US" smtClean="0"/>
           </a:p>
           <a:p>
             <a:pPr lvl="4"/>
@@ -1753,6 +1734,7 @@
           <a:p>
             <a:fld id="{8D52E752-28E5-4368-B467-FD45E17F2D0E}" type="datetimeFigureOut">
               <a:rPr lang="en-US" smtClean="0"/>
+              <a:t>9/21/2017</a:t>
             </a:fld>
             <a:endParaRPr lang="en-US"/>
           </a:p>
@@ -1794,6 +1776,7 @@
           <a:p>
             <a:fld id="{24EAE0EF-B234-4381-877B-176780D00FD9}" type="slidenum">
               <a:rPr lang="en-US" smtClean="0"/>
+              <a:t>‹#›</a:t>
             </a:fld>
             <a:endParaRPr lang="en-US"/>
           </a:p>
@@ -1864,6 +1847,7 @@
           <a:p>
             <a:fld id="{8D52E752-28E5-4368-B467-FD45E17F2D0E}" type="datetimeFigureOut">
               <a:rPr lang="en-US" smtClean="0"/>
+              <a:t>9/21/2017</a:t>
             </a:fld>
             <a:endParaRPr lang="en-US"/>
           </a:p>
@@ -1905,6 +1889,7 @@
           <a:p>
             <a:fld id="{24EAE0EF-B234-4381-877B-176780D00FD9}" type="slidenum">
               <a:rPr lang="en-US" smtClean="0"/>
+              <a:t>‹#›</a:t>
             </a:fld>
             <a:endParaRPr lang="en-US"/>
           </a:p>
@@ -1952,6 +1937,7 @@
           <a:p>
             <a:fld id="{8D52E752-28E5-4368-B467-FD45E17F2D0E}" type="datetimeFigureOut">
               <a:rPr lang="en-US" smtClean="0"/>
+              <a:t>9/21/2017</a:t>
             </a:fld>
             <a:endParaRPr lang="en-US"/>
           </a:p>
@@ -1993,6 +1979,7 @@
           <a:p>
             <a:fld id="{24EAE0EF-B234-4381-877B-176780D00FD9}" type="slidenum">
               <a:rPr lang="en-US" smtClean="0"/>
+              <a:t>‹#›</a:t>
             </a:fld>
             <a:endParaRPr lang="en-US"/>
           </a:p>
@@ -2108,7 +2095,6 @@
               <a:rPr lang="en-US" smtClean="0"/>
               <a:t>Click to edit Master text styles</a:t>
             </a:r>
-            <a:endParaRPr lang="en-US" smtClean="0"/>
           </a:p>
           <a:p>
             <a:pPr lvl="1"/>
@@ -2116,7 +2102,6 @@
               <a:rPr lang="en-US" smtClean="0"/>
               <a:t>Second level</a:t>
             </a:r>
-            <a:endParaRPr lang="en-US" smtClean="0"/>
           </a:p>
           <a:p>
             <a:pPr lvl="2"/>
@@ -2124,7 +2109,6 @@
               <a:rPr lang="en-US" smtClean="0"/>
               <a:t>Third level</a:t>
             </a:r>
-            <a:endParaRPr lang="en-US" smtClean="0"/>
           </a:p>
           <a:p>
             <a:pPr lvl="3"/>
@@ -2132,7 +2116,6 @@
               <a:rPr lang="en-US" smtClean="0"/>
               <a:t>Fourth level</a:t>
             </a:r>
-            <a:endParaRPr lang="en-US" smtClean="0"/>
           </a:p>
           <a:p>
             <a:pPr lvl="4"/>
@@ -2206,7 +2189,6 @@
               <a:rPr lang="en-US" smtClean="0"/>
               <a:t>Click to edit Master text styles</a:t>
             </a:r>
-            <a:endParaRPr lang="en-US" smtClean="0"/>
           </a:p>
         </p:txBody>
       </p:sp>
@@ -2227,6 +2209,7 @@
           <a:p>
             <a:fld id="{8D52E752-28E5-4368-B467-FD45E17F2D0E}" type="datetimeFigureOut">
               <a:rPr lang="en-US" smtClean="0"/>
+              <a:t>9/21/2017</a:t>
             </a:fld>
             <a:endParaRPr lang="en-US"/>
           </a:p>
@@ -2268,6 +2251,7 @@
           <a:p>
             <a:fld id="{24EAE0EF-B234-4381-877B-176780D00FD9}" type="slidenum">
               <a:rPr lang="en-US" smtClean="0"/>
+              <a:t>‹#›</a:t>
             </a:fld>
             <a:endParaRPr lang="en-US"/>
           </a:p>
@@ -2453,7 +2437,6 @@
               <a:rPr lang="en-US" smtClean="0"/>
               <a:t>Click to edit Master text styles</a:t>
             </a:r>
-            <a:endParaRPr lang="en-US" smtClean="0"/>
           </a:p>
         </p:txBody>
       </p:sp>
@@ -2474,6 +2457,7 @@
           <a:p>
             <a:fld id="{8D52E752-28E5-4368-B467-FD45E17F2D0E}" type="datetimeFigureOut">
               <a:rPr lang="en-US" smtClean="0"/>
+              <a:t>9/21/2017</a:t>
             </a:fld>
             <a:endParaRPr lang="en-US"/>
           </a:p>
@@ -2515,6 +2499,7 @@
           <a:p>
             <a:fld id="{24EAE0EF-B234-4381-877B-176780D00FD9}" type="slidenum">
               <a:rPr lang="en-US" smtClean="0"/>
+              <a:t>‹#›</a:t>
             </a:fld>
             <a:endParaRPr lang="en-US"/>
           </a:p>
@@ -2619,7 +2604,6 @@
               <a:rPr lang="en-US" smtClean="0"/>
               <a:t>Click to edit Master text styles</a:t>
             </a:r>
-            <a:endParaRPr lang="en-US" smtClean="0"/>
           </a:p>
           <a:p>
             <a:pPr lvl="1"/>
@@ -2627,7 +2611,6 @@
               <a:rPr lang="en-US" smtClean="0"/>
               <a:t>Second level</a:t>
             </a:r>
-            <a:endParaRPr lang="en-US" smtClean="0"/>
           </a:p>
           <a:p>
             <a:pPr lvl="2"/>
@@ -2635,7 +2618,6 @@
               <a:rPr lang="en-US" smtClean="0"/>
               <a:t>Third level</a:t>
             </a:r>
-            <a:endParaRPr lang="en-US" smtClean="0"/>
           </a:p>
           <a:p>
             <a:pPr lvl="3"/>
@@ -2643,7 +2625,6 @@
               <a:rPr lang="en-US" smtClean="0"/>
               <a:t>Fourth level</a:t>
             </a:r>
-            <a:endParaRPr lang="en-US" smtClean="0"/>
           </a:p>
           <a:p>
             <a:pPr lvl="4"/>
@@ -2690,6 +2671,7 @@
           <a:p>
             <a:fld id="{8D52E752-28E5-4368-B467-FD45E17F2D0E}" type="datetimeFigureOut">
               <a:rPr lang="en-US" smtClean="0"/>
+              <a:t>9/21/2017</a:t>
             </a:fld>
             <a:endParaRPr lang="en-US"/>
           </a:p>
@@ -2767,6 +2749,7 @@
           <a:p>
             <a:fld id="{24EAE0EF-B234-4381-877B-176780D00FD9}" type="slidenum">
               <a:rPr lang="en-US" smtClean="0"/>
+              <a:t>‹#›</a:t>
             </a:fld>
             <a:endParaRPr lang="en-US"/>
           </a:p>
@@ -3106,13 +3089,6 @@
                 <a:solidFill>
                   <a:schemeClr val="tx1"/>
                 </a:solidFill>
-                <a:effectLst>
-                  <a:outerShdw blurRad="38100" dist="19050" dir="2700000" algn="tl" rotWithShape="0">
-                    <a:schemeClr val="dk1">
-                      <a:alpha val="40000"/>
-                    </a:schemeClr>
-                  </a:outerShdw>
-                </a:effectLst>
                 <a:latin typeface="Corbel" panose="020B0503020204020204" pitchFamily="34" charset="0"/>
               </a:rPr>
               <a:t>Components</a:t>
@@ -3121,13 +3097,6 @@
               <a:solidFill>
                 <a:schemeClr val="tx1"/>
               </a:solidFill>
-              <a:effectLst>
-                <a:outerShdw blurRad="38100" dist="19050" dir="2700000" algn="tl" rotWithShape="0">
-                  <a:schemeClr val="dk1">
-                    <a:alpha val="40000"/>
-                  </a:schemeClr>
-                </a:outerShdw>
-              </a:effectLst>
               <a:latin typeface="Corbel" panose="020B0503020204020204" pitchFamily="34" charset="0"/>
             </a:endParaRPr>
           </a:p>
@@ -3196,17 +3165,6 @@
                 </a:rPr>
                 <a:t>System</a:t>
               </a:r>
-              <a:endParaRPr lang="en-US" sz="1000" dirty="0" smtClean="0">
-                <a:effectLst>
-                  <a:outerShdw blurRad="38100" dist="38100" dir="2700000" algn="tl">
-                    <a:srgbClr val="000000">
-                      <a:alpha val="43137"/>
-                    </a:srgbClr>
-                  </a:outerShdw>
-                </a:effectLst>
-                <a:latin typeface="微软雅黑" panose="020B0503020204020204" charset="-122"/>
-                <a:ea typeface="微软雅黑" panose="020B0503020204020204" charset="-122"/>
-              </a:endParaRPr>
             </a:p>
             <a:p>
               <a:pPr algn="ctr"/>
@@ -3224,17 +3182,6 @@
                 </a:rPr>
                 <a:t>系统</a:t>
               </a:r>
-              <a:endParaRPr lang="zh-CN" altLang="en-US" sz="1000" dirty="0" smtClean="0">
-                <a:effectLst>
-                  <a:outerShdw blurRad="38100" dist="38100" dir="2700000" algn="tl">
-                    <a:srgbClr val="000000">
-                      <a:alpha val="43137"/>
-                    </a:srgbClr>
-                  </a:outerShdw>
-                </a:effectLst>
-                <a:latin typeface="微软雅黑" panose="020B0503020204020204" charset="-122"/>
-                <a:ea typeface="微软雅黑" panose="020B0503020204020204" charset="-122"/>
-              </a:endParaRPr>
             </a:p>
           </p:txBody>
         </p:sp>
@@ -3286,17 +3233,6 @@
                 </a:rPr>
                 <a:t>Documentation</a:t>
               </a:r>
-              <a:endParaRPr lang="en-US" sz="1000" dirty="0" smtClean="0">
-                <a:effectLst>
-                  <a:outerShdw blurRad="38100" dist="38100" dir="2700000" algn="tl">
-                    <a:srgbClr val="000000">
-                      <a:alpha val="43137"/>
-                    </a:srgbClr>
-                  </a:outerShdw>
-                </a:effectLst>
-                <a:latin typeface="微软雅黑" panose="020B0503020204020204" charset="-122"/>
-                <a:ea typeface="微软雅黑" panose="020B0503020204020204" charset="-122"/>
-              </a:endParaRPr>
             </a:p>
             <a:p>
               <a:pPr algn="ctr"/>
@@ -3314,17 +3250,6 @@
                 </a:rPr>
                 <a:t>文档</a:t>
               </a:r>
-              <a:endParaRPr lang="zh-CN" altLang="en-US" sz="1000" dirty="0" smtClean="0">
-                <a:effectLst>
-                  <a:outerShdw blurRad="38100" dist="38100" dir="2700000" algn="tl">
-                    <a:srgbClr val="000000">
-                      <a:alpha val="43137"/>
-                    </a:srgbClr>
-                  </a:outerShdw>
-                </a:effectLst>
-                <a:latin typeface="微软雅黑" panose="020B0503020204020204" charset="-122"/>
-                <a:ea typeface="微软雅黑" panose="020B0503020204020204" charset="-122"/>
-              </a:endParaRPr>
             </a:p>
           </p:txBody>
         </p:sp>
@@ -3376,17 +3301,6 @@
                 </a:rPr>
                 <a:t>Tools</a:t>
               </a:r>
-              <a:endParaRPr lang="en-US" sz="1000" dirty="0">
-                <a:effectLst>
-                  <a:outerShdw blurRad="38100" dist="38100" dir="2700000" algn="tl">
-                    <a:srgbClr val="000000">
-                      <a:alpha val="43137"/>
-                    </a:srgbClr>
-                  </a:outerShdw>
-                </a:effectLst>
-                <a:latin typeface="微软雅黑" panose="020B0503020204020204" charset="-122"/>
-                <a:ea typeface="微软雅黑" panose="020B0503020204020204" charset="-122"/>
-              </a:endParaRPr>
             </a:p>
             <a:p>
               <a:pPr algn="ctr"/>
@@ -3404,17 +3318,6 @@
                 </a:rPr>
                 <a:t>工具</a:t>
               </a:r>
-              <a:endParaRPr lang="zh-CN" altLang="en-US" sz="1000" dirty="0">
-                <a:effectLst>
-                  <a:outerShdw blurRad="38100" dist="38100" dir="2700000" algn="tl">
-                    <a:srgbClr val="000000">
-                      <a:alpha val="43137"/>
-                    </a:srgbClr>
-                  </a:outerShdw>
-                </a:effectLst>
-                <a:latin typeface="微软雅黑" panose="020B0503020204020204" charset="-122"/>
-                <a:ea typeface="微软雅黑" panose="020B0503020204020204" charset="-122"/>
-              </a:endParaRPr>
             </a:p>
           </p:txBody>
         </p:sp>
@@ -3467,17 +3370,6 @@
                 </a:rPr>
                 <a:t>Architecture</a:t>
               </a:r>
-              <a:endParaRPr lang="en-US" sz="1000" dirty="0" smtClean="0">
-                <a:effectLst>
-                  <a:outerShdw blurRad="38100" dist="38100" dir="2700000" algn="tl">
-                    <a:srgbClr val="000000">
-                      <a:alpha val="43137"/>
-                    </a:srgbClr>
-                  </a:outerShdw>
-                </a:effectLst>
-                <a:latin typeface="微软雅黑" panose="020B0503020204020204" charset="-122"/>
-                <a:ea typeface="微软雅黑" panose="020B0503020204020204" charset="-122"/>
-              </a:endParaRPr>
             </a:p>
             <a:p>
               <a:pPr algn="ctr"/>
@@ -3495,17 +3387,6 @@
                 </a:rPr>
                 <a:t>架构</a:t>
               </a:r>
-              <a:endParaRPr lang="zh-CN" altLang="en-US" sz="1000" dirty="0" smtClean="0">
-                <a:effectLst>
-                  <a:outerShdw blurRad="38100" dist="38100" dir="2700000" algn="tl">
-                    <a:srgbClr val="000000">
-                      <a:alpha val="43137"/>
-                    </a:srgbClr>
-                  </a:outerShdw>
-                </a:effectLst>
-                <a:latin typeface="微软雅黑" panose="020B0503020204020204" charset="-122"/>
-                <a:ea typeface="微软雅黑" panose="020B0503020204020204" charset="-122"/>
-              </a:endParaRPr>
             </a:p>
           </p:txBody>
         </p:sp>
@@ -3557,17 +3438,6 @@
                 </a:rPr>
                 <a:t>Middleware</a:t>
               </a:r>
-              <a:endParaRPr lang="en-US" sz="1000" dirty="0" smtClean="0">
-                <a:effectLst>
-                  <a:outerShdw blurRad="38100" dist="38100" dir="2700000" algn="tl">
-                    <a:srgbClr val="000000">
-                      <a:alpha val="43137"/>
-                    </a:srgbClr>
-                  </a:outerShdw>
-                </a:effectLst>
-                <a:latin typeface="微软雅黑" panose="020B0503020204020204" charset="-122"/>
-                <a:ea typeface="微软雅黑" panose="020B0503020204020204" charset="-122"/>
-              </a:endParaRPr>
             </a:p>
             <a:p>
               <a:pPr algn="ctr"/>
@@ -3585,17 +3455,6 @@
                 </a:rPr>
                 <a:t>中间件</a:t>
               </a:r>
-              <a:endParaRPr lang="zh-CN" altLang="en-US" sz="1000" dirty="0" smtClean="0">
-                <a:effectLst>
-                  <a:outerShdw blurRad="38100" dist="38100" dir="2700000" algn="tl">
-                    <a:srgbClr val="000000">
-                      <a:alpha val="43137"/>
-                    </a:srgbClr>
-                  </a:outerShdw>
-                </a:effectLst>
-                <a:latin typeface="微软雅黑" panose="020B0503020204020204" charset="-122"/>
-                <a:ea typeface="微软雅黑" panose="020B0503020204020204" charset="-122"/>
-              </a:endParaRPr>
             </a:p>
           </p:txBody>
         </p:sp>
@@ -3647,17 +3506,6 @@
                 </a:rPr>
                 <a:t>User Interface</a:t>
               </a:r>
-              <a:endParaRPr lang="en-US" sz="1000" dirty="0" smtClean="0">
-                <a:effectLst>
-                  <a:outerShdw blurRad="38100" dist="38100" dir="2700000" algn="tl">
-                    <a:srgbClr val="000000">
-                      <a:alpha val="43137"/>
-                    </a:srgbClr>
-                  </a:outerShdw>
-                </a:effectLst>
-                <a:latin typeface="微软雅黑" panose="020B0503020204020204" charset="-122"/>
-                <a:ea typeface="微软雅黑" panose="020B0503020204020204" charset="-122"/>
-              </a:endParaRPr>
             </a:p>
             <a:p>
               <a:pPr algn="ctr"/>
@@ -3673,33 +3521,8 @@
                   <a:latin typeface="微软雅黑" panose="020B0503020204020204" charset="-122"/>
                   <a:ea typeface="微软雅黑" panose="020B0503020204020204" charset="-122"/>
                 </a:rPr>
-                <a:t>用户</a:t>
+                <a:t>用户界面</a:t>
               </a:r>
-              <a:r>
-                <a:rPr lang="zh-CN" altLang="en-US" sz="1000" dirty="0" smtClean="0">
-                  <a:effectLst>
-                    <a:outerShdw blurRad="38100" dist="38100" dir="2700000" algn="tl">
-                      <a:srgbClr val="000000">
-                        <a:alpha val="43137"/>
-                      </a:srgbClr>
-                    </a:outerShdw>
-                  </a:effectLst>
-                  <a:latin typeface="微软雅黑" panose="020B0503020204020204" charset="-122"/>
-                  <a:ea typeface="微软雅黑" panose="020B0503020204020204" charset="-122"/>
-                </a:rPr>
-                <a:t>界面</a:t>
-              </a:r>
-              <a:endParaRPr lang="zh-CN" altLang="en-US" sz="1000" dirty="0" smtClean="0">
-                <a:effectLst>
-                  <a:outerShdw blurRad="38100" dist="38100" dir="2700000" algn="tl">
-                    <a:srgbClr val="000000">
-                      <a:alpha val="43137"/>
-                    </a:srgbClr>
-                  </a:outerShdw>
-                </a:effectLst>
-                <a:latin typeface="微软雅黑" panose="020B0503020204020204" charset="-122"/>
-                <a:ea typeface="微软雅黑" panose="020B0503020204020204" charset="-122"/>
-              </a:endParaRPr>
             </a:p>
           </p:txBody>
         </p:sp>
@@ -3751,17 +3574,6 @@
                 </a:rPr>
                 <a:t>Account Administration</a:t>
               </a:r>
-              <a:endParaRPr lang="en-US" sz="1000" dirty="0" smtClean="0">
-                <a:effectLst>
-                  <a:outerShdw blurRad="38100" dist="38100" dir="2700000" algn="tl">
-                    <a:srgbClr val="000000">
-                      <a:alpha val="43137"/>
-                    </a:srgbClr>
-                  </a:outerShdw>
-                </a:effectLst>
-                <a:latin typeface="微软雅黑" panose="020B0503020204020204" charset="-122"/>
-                <a:ea typeface="微软雅黑" panose="020B0503020204020204" charset="-122"/>
-              </a:endParaRPr>
             </a:p>
             <a:p>
               <a:pPr algn="ctr"/>
@@ -3777,33 +3589,8 @@
                   <a:latin typeface="微软雅黑" panose="020B0503020204020204" charset="-122"/>
                   <a:ea typeface="微软雅黑" panose="020B0503020204020204" charset="-122"/>
                 </a:rPr>
-                <a:t>用户</a:t>
+                <a:t>用户管理</a:t>
               </a:r>
-              <a:r>
-                <a:rPr lang="zh-CN" altLang="en-US" sz="1000" dirty="0" smtClean="0">
-                  <a:effectLst>
-                    <a:outerShdw blurRad="38100" dist="38100" dir="2700000" algn="tl">
-                      <a:srgbClr val="000000">
-                        <a:alpha val="43137"/>
-                      </a:srgbClr>
-                    </a:outerShdw>
-                  </a:effectLst>
-                  <a:latin typeface="微软雅黑" panose="020B0503020204020204" charset="-122"/>
-                  <a:ea typeface="微软雅黑" panose="020B0503020204020204" charset="-122"/>
-                </a:rPr>
-                <a:t>管理</a:t>
-              </a:r>
-              <a:endParaRPr lang="zh-CN" altLang="en-US" sz="1000" dirty="0" smtClean="0">
-                <a:effectLst>
-                  <a:outerShdw blurRad="38100" dist="38100" dir="2700000" algn="tl">
-                    <a:srgbClr val="000000">
-                      <a:alpha val="43137"/>
-                    </a:srgbClr>
-                  </a:outerShdw>
-                </a:effectLst>
-                <a:latin typeface="微软雅黑" panose="020B0503020204020204" charset="-122"/>
-                <a:ea typeface="微软雅黑" panose="020B0503020204020204" charset="-122"/>
-              </a:endParaRPr>
             </a:p>
           </p:txBody>
         </p:sp>
@@ -3855,17 +3642,6 @@
                 </a:rPr>
                 <a:t>Data Administration</a:t>
               </a:r>
-              <a:endParaRPr lang="en-US" sz="1000" dirty="0" smtClean="0">
-                <a:effectLst>
-                  <a:outerShdw blurRad="38100" dist="38100" dir="2700000" algn="tl">
-                    <a:srgbClr val="000000">
-                      <a:alpha val="43137"/>
-                    </a:srgbClr>
-                  </a:outerShdw>
-                </a:effectLst>
-                <a:latin typeface="微软雅黑" panose="020B0503020204020204" charset="-122"/>
-                <a:ea typeface="微软雅黑" panose="020B0503020204020204" charset="-122"/>
-              </a:endParaRPr>
             </a:p>
             <a:p>
               <a:pPr algn="ctr"/>
@@ -3883,17 +3659,6 @@
                 </a:rPr>
                 <a:t>数据管理</a:t>
               </a:r>
-              <a:endParaRPr lang="zh-CN" altLang="en-US" sz="1000" dirty="0" smtClean="0">
-                <a:effectLst>
-                  <a:outerShdw blurRad="38100" dist="38100" dir="2700000" algn="tl">
-                    <a:srgbClr val="000000">
-                      <a:alpha val="43137"/>
-                    </a:srgbClr>
-                  </a:outerShdw>
-                </a:effectLst>
-                <a:latin typeface="微软雅黑" panose="020B0503020204020204" charset="-122"/>
-                <a:ea typeface="微软雅黑" panose="020B0503020204020204" charset="-122"/>
-              </a:endParaRPr>
             </a:p>
           </p:txBody>
         </p:sp>
@@ -3945,17 +3710,6 @@
                 </a:rPr>
                 <a:t>Graphical Displays</a:t>
               </a:r>
-              <a:endParaRPr lang="en-US" sz="1000" dirty="0" smtClean="0">
-                <a:effectLst>
-                  <a:outerShdw blurRad="38100" dist="38100" dir="2700000" algn="tl">
-                    <a:srgbClr val="000000">
-                      <a:alpha val="43137"/>
-                    </a:srgbClr>
-                  </a:outerShdw>
-                </a:effectLst>
-                <a:latin typeface="微软雅黑" panose="020B0503020204020204" charset="-122"/>
-                <a:ea typeface="微软雅黑" panose="020B0503020204020204" charset="-122"/>
-              </a:endParaRPr>
             </a:p>
             <a:p>
               <a:pPr algn="ctr"/>
@@ -3973,17 +3727,6 @@
                 </a:rPr>
                 <a:t>图形显示</a:t>
               </a:r>
-              <a:endParaRPr lang="zh-CN" altLang="en-US" sz="1000" dirty="0" smtClean="0">
-                <a:effectLst>
-                  <a:outerShdw blurRad="38100" dist="38100" dir="2700000" algn="tl">
-                    <a:srgbClr val="000000">
-                      <a:alpha val="43137"/>
-                    </a:srgbClr>
-                  </a:outerShdw>
-                </a:effectLst>
-                <a:latin typeface="微软雅黑" panose="020B0503020204020204" charset="-122"/>
-                <a:ea typeface="微软雅黑" panose="020B0503020204020204" charset="-122"/>
-              </a:endParaRPr>
             </a:p>
           </p:txBody>
         </p:sp>
@@ -4035,17 +3778,6 @@
                 </a:rPr>
                 <a:t>Security</a:t>
               </a:r>
-              <a:endParaRPr lang="en-US" sz="1000" dirty="0" smtClean="0">
-                <a:effectLst>
-                  <a:outerShdw blurRad="38100" dist="38100" dir="2700000" algn="tl">
-                    <a:srgbClr val="000000">
-                      <a:alpha val="43137"/>
-                    </a:srgbClr>
-                  </a:outerShdw>
-                </a:effectLst>
-                <a:latin typeface="微软雅黑" panose="020B0503020204020204" charset="-122"/>
-                <a:ea typeface="微软雅黑" panose="020B0503020204020204" charset="-122"/>
-              </a:endParaRPr>
             </a:p>
             <a:p>
               <a:pPr algn="ctr"/>
@@ -4063,17 +3795,6 @@
                 </a:rPr>
                 <a:t>加密管理</a:t>
               </a:r>
-              <a:endParaRPr lang="zh-CN" altLang="en-US" sz="1000" dirty="0" smtClean="0">
-                <a:effectLst>
-                  <a:outerShdw blurRad="38100" dist="38100" dir="2700000" algn="tl">
-                    <a:srgbClr val="000000">
-                      <a:alpha val="43137"/>
-                    </a:srgbClr>
-                  </a:outerShdw>
-                </a:effectLst>
-                <a:latin typeface="微软雅黑" panose="020B0503020204020204" charset="-122"/>
-                <a:ea typeface="微软雅黑" panose="020B0503020204020204" charset="-122"/>
-              </a:endParaRPr>
             </a:p>
           </p:txBody>
         </p:sp>
@@ -4126,17 +3847,6 @@
                 </a:rPr>
                 <a:t>Kernels</a:t>
               </a:r>
-              <a:endParaRPr lang="en-US" sz="1000" dirty="0" smtClean="0">
-                <a:effectLst>
-                  <a:outerShdw blurRad="38100" dist="38100" dir="2700000" algn="tl">
-                    <a:srgbClr val="000000">
-                      <a:alpha val="43137"/>
-                    </a:srgbClr>
-                  </a:outerShdw>
-                </a:effectLst>
-                <a:latin typeface="微软雅黑" panose="020B0503020204020204" charset="-122"/>
-                <a:ea typeface="微软雅黑" panose="020B0503020204020204" charset="-122"/>
-              </a:endParaRPr>
             </a:p>
             <a:p>
               <a:pPr algn="ctr"/>
@@ -4154,17 +3864,6 @@
                 </a:rPr>
                 <a:t>算法</a:t>
               </a:r>
-              <a:endParaRPr lang="zh-CN" altLang="en-US" sz="1000" dirty="0" smtClean="0">
-                <a:effectLst>
-                  <a:outerShdw blurRad="38100" dist="38100" dir="2700000" algn="tl">
-                    <a:srgbClr val="000000">
-                      <a:alpha val="43137"/>
-                    </a:srgbClr>
-                  </a:outerShdw>
-                </a:effectLst>
-                <a:latin typeface="微软雅黑" panose="020B0503020204020204" charset="-122"/>
-                <a:ea typeface="微软雅黑" panose="020B0503020204020204" charset="-122"/>
-              </a:endParaRPr>
             </a:p>
           </p:txBody>
         </p:sp>
@@ -4217,17 +3916,6 @@
                 </a:rPr>
                 <a:t>Workbenches</a:t>
               </a:r>
-              <a:endParaRPr lang="en-US" sz="1000" dirty="0" smtClean="0">
-                <a:effectLst>
-                  <a:outerShdw blurRad="38100" dist="38100" dir="2700000" algn="tl">
-                    <a:srgbClr val="000000">
-                      <a:alpha val="43137"/>
-                    </a:srgbClr>
-                  </a:outerShdw>
-                </a:effectLst>
-                <a:latin typeface="微软雅黑" panose="020B0503020204020204" charset="-122"/>
-                <a:ea typeface="微软雅黑" panose="020B0503020204020204" charset="-122"/>
-              </a:endParaRPr>
             </a:p>
             <a:p>
               <a:pPr algn="ctr"/>
@@ -4245,17 +3933,6 @@
                 </a:rPr>
                 <a:t>工具箱</a:t>
               </a:r>
-              <a:endParaRPr lang="zh-CN" altLang="en-US" sz="1000" dirty="0" smtClean="0">
-                <a:effectLst>
-                  <a:outerShdw blurRad="38100" dist="38100" dir="2700000" algn="tl">
-                    <a:srgbClr val="000000">
-                      <a:alpha val="43137"/>
-                    </a:srgbClr>
-                  </a:outerShdw>
-                </a:effectLst>
-                <a:latin typeface="微软雅黑" panose="020B0503020204020204" charset="-122"/>
-                <a:ea typeface="微软雅黑" panose="020B0503020204020204" charset="-122"/>
-              </a:endParaRPr>
             </a:p>
           </p:txBody>
         </p:sp>
@@ -4307,17 +3984,6 @@
                 </a:rPr>
                 <a:t>Data Import/Export</a:t>
               </a:r>
-              <a:endParaRPr lang="en-US" sz="1000" dirty="0" smtClean="0">
-                <a:effectLst>
-                  <a:outerShdw blurRad="38100" dist="38100" dir="2700000" algn="tl">
-                    <a:srgbClr val="000000">
-                      <a:alpha val="43137"/>
-                    </a:srgbClr>
-                  </a:outerShdw>
-                </a:effectLst>
-                <a:latin typeface="微软雅黑" panose="020B0503020204020204" charset="-122"/>
-                <a:ea typeface="微软雅黑" panose="020B0503020204020204" charset="-122"/>
-              </a:endParaRPr>
             </a:p>
             <a:p>
               <a:pPr algn="ctr"/>
@@ -4335,17 +4001,6 @@
                 </a:rPr>
                 <a:t>数据文件输入输出</a:t>
               </a:r>
-              <a:endParaRPr lang="zh-CN" sz="1000" dirty="0" smtClean="0">
-                <a:effectLst>
-                  <a:outerShdw blurRad="38100" dist="38100" dir="2700000" algn="tl">
-                    <a:srgbClr val="000000">
-                      <a:alpha val="43137"/>
-                    </a:srgbClr>
-                  </a:outerShdw>
-                </a:effectLst>
-                <a:latin typeface="微软雅黑" panose="020B0503020204020204" charset="-122"/>
-                <a:ea typeface="微软雅黑" panose="020B0503020204020204" charset="-122"/>
-              </a:endParaRPr>
             </a:p>
           </p:txBody>
         </p:sp>
@@ -4397,17 +4052,6 @@
                 </a:rPr>
                 <a:t>Geometry Pre-Processing</a:t>
               </a:r>
-              <a:endParaRPr lang="en-US" sz="1000" dirty="0" smtClean="0">
-                <a:effectLst>
-                  <a:outerShdw blurRad="38100" dist="38100" dir="2700000" algn="tl">
-                    <a:srgbClr val="000000">
-                      <a:alpha val="43137"/>
-                    </a:srgbClr>
-                  </a:outerShdw>
-                </a:effectLst>
-                <a:latin typeface="微软雅黑" panose="020B0503020204020204" charset="-122"/>
-                <a:ea typeface="微软雅黑" panose="020B0503020204020204" charset="-122"/>
-              </a:endParaRPr>
             </a:p>
             <a:p>
               <a:pPr algn="ctr"/>
@@ -4425,17 +4069,6 @@
                 </a:rPr>
                 <a:t>几何模型前处理</a:t>
               </a:r>
-              <a:endParaRPr lang="zh-CN" altLang="en-US" sz="1000" dirty="0" smtClean="0">
-                <a:effectLst>
-                  <a:outerShdw blurRad="38100" dist="38100" dir="2700000" algn="tl">
-                    <a:srgbClr val="000000">
-                      <a:alpha val="43137"/>
-                    </a:srgbClr>
-                  </a:outerShdw>
-                </a:effectLst>
-                <a:latin typeface="微软雅黑" panose="020B0503020204020204" charset="-122"/>
-                <a:ea typeface="微软雅黑" panose="020B0503020204020204" charset="-122"/>
-              </a:endParaRPr>
             </a:p>
           </p:txBody>
         </p:sp>
@@ -4487,17 +4120,6 @@
                 </a:rPr>
                 <a:t>Geometry Processing</a:t>
               </a:r>
-              <a:endParaRPr lang="en-US" sz="1000" dirty="0" smtClean="0">
-                <a:effectLst>
-                  <a:outerShdw blurRad="38100" dist="38100" dir="2700000" algn="tl">
-                    <a:srgbClr val="000000">
-                      <a:alpha val="43137"/>
-                    </a:srgbClr>
-                  </a:outerShdw>
-                </a:effectLst>
-                <a:latin typeface="微软雅黑" panose="020B0503020204020204" charset="-122"/>
-                <a:ea typeface="微软雅黑" panose="020B0503020204020204" charset="-122"/>
-              </a:endParaRPr>
             </a:p>
             <a:p>
               <a:pPr algn="ctr"/>
@@ -4515,17 +4137,6 @@
                 </a:rPr>
                 <a:t>几何模型处理</a:t>
               </a:r>
-              <a:endParaRPr lang="zh-CN" altLang="en-US" sz="1000" dirty="0" smtClean="0">
-                <a:effectLst>
-                  <a:outerShdw blurRad="38100" dist="38100" dir="2700000" algn="tl">
-                    <a:srgbClr val="000000">
-                      <a:alpha val="43137"/>
-                    </a:srgbClr>
-                  </a:outerShdw>
-                </a:effectLst>
-                <a:latin typeface="微软雅黑" panose="020B0503020204020204" charset="-122"/>
-                <a:ea typeface="微软雅黑" panose="020B0503020204020204" charset="-122"/>
-              </a:endParaRPr>
             </a:p>
           </p:txBody>
         </p:sp>
@@ -4577,17 +4188,6 @@
                 </a:rPr>
                 <a:t>Geometry Analysis</a:t>
               </a:r>
-              <a:endParaRPr lang="en-US" sz="1000" dirty="0" smtClean="0">
-                <a:effectLst>
-                  <a:outerShdw blurRad="38100" dist="38100" dir="2700000" algn="tl">
-                    <a:srgbClr val="000000">
-                      <a:alpha val="43137"/>
-                    </a:srgbClr>
-                  </a:outerShdw>
-                </a:effectLst>
-                <a:latin typeface="微软雅黑" panose="020B0503020204020204" charset="-122"/>
-                <a:ea typeface="微软雅黑" panose="020B0503020204020204" charset="-122"/>
-              </a:endParaRPr>
             </a:p>
             <a:p>
               <a:pPr algn="ctr"/>
@@ -4605,17 +4205,6 @@
                 </a:rPr>
                 <a:t>几何模型分析</a:t>
               </a:r>
-              <a:endParaRPr lang="zh-CN" altLang="en-US" sz="1000" dirty="0" smtClean="0">
-                <a:effectLst>
-                  <a:outerShdw blurRad="38100" dist="38100" dir="2700000" algn="tl">
-                    <a:srgbClr val="000000">
-                      <a:alpha val="43137"/>
-                    </a:srgbClr>
-                  </a:outerShdw>
-                </a:effectLst>
-                <a:latin typeface="微软雅黑" panose="020B0503020204020204" charset="-122"/>
-                <a:ea typeface="微软雅黑" panose="020B0503020204020204" charset="-122"/>
-              </a:endParaRPr>
             </a:p>
           </p:txBody>
         </p:sp>
@@ -4667,17 +4256,6 @@
                 </a:rPr>
                 <a:t>Knowledge Engineering</a:t>
               </a:r>
-              <a:endParaRPr lang="en-US" sz="1000" dirty="0" smtClean="0">
-                <a:effectLst>
-                  <a:outerShdw blurRad="38100" dist="38100" dir="2700000" algn="tl">
-                    <a:srgbClr val="000000">
-                      <a:alpha val="43137"/>
-                    </a:srgbClr>
-                  </a:outerShdw>
-                </a:effectLst>
-                <a:latin typeface="微软雅黑" panose="020B0503020204020204" charset="-122"/>
-                <a:ea typeface="微软雅黑" panose="020B0503020204020204" charset="-122"/>
-              </a:endParaRPr>
             </a:p>
             <a:p>
               <a:pPr marL="0" lvl="1" algn="ctr"/>
@@ -4695,17 +4273,6 @@
                 </a:rPr>
                 <a:t>知识工程</a:t>
               </a:r>
-              <a:endParaRPr lang="zh-CN" altLang="en-US" sz="1000" dirty="0">
-                <a:effectLst>
-                  <a:outerShdw blurRad="38100" dist="38100" dir="2700000" algn="tl">
-                    <a:srgbClr val="000000">
-                      <a:alpha val="43137"/>
-                    </a:srgbClr>
-                  </a:outerShdw>
-                </a:effectLst>
-                <a:latin typeface="微软雅黑" panose="020B0503020204020204" charset="-122"/>
-                <a:ea typeface="微软雅黑" panose="020B0503020204020204" charset="-122"/>
-              </a:endParaRPr>
             </a:p>
           </p:txBody>
         </p:sp>
@@ -4771,17 +4338,6 @@
                 </a:rPr>
                 <a:t>Tools</a:t>
               </a:r>
-              <a:endParaRPr lang="en-US" sz="1000" dirty="0">
-                <a:effectLst>
-                  <a:outerShdw blurRad="38100" dist="38100" dir="2700000" algn="tl">
-                    <a:srgbClr val="000000">
-                      <a:alpha val="43137"/>
-                    </a:srgbClr>
-                  </a:outerShdw>
-                </a:effectLst>
-                <a:latin typeface="微软雅黑" panose="020B0503020204020204" charset="-122"/>
-                <a:ea typeface="微软雅黑" panose="020B0503020204020204" charset="-122"/>
-              </a:endParaRPr>
             </a:p>
             <a:p>
               <a:pPr marL="0" lvl="1" algn="ctr"/>
@@ -4799,17 +4355,6 @@
                 </a:rPr>
                 <a:t>辅助功能</a:t>
               </a:r>
-              <a:endParaRPr lang="zh-CN" altLang="en-US" sz="1000" dirty="0">
-                <a:effectLst>
-                  <a:outerShdw blurRad="38100" dist="38100" dir="2700000" algn="tl">
-                    <a:srgbClr val="000000">
-                      <a:alpha val="43137"/>
-                    </a:srgbClr>
-                  </a:outerShdw>
-                </a:effectLst>
-                <a:latin typeface="微软雅黑" panose="020B0503020204020204" charset="-122"/>
-                <a:ea typeface="微软雅黑" panose="020B0503020204020204" charset="-122"/>
-              </a:endParaRPr>
             </a:p>
           </p:txBody>
         </p:sp>
@@ -4861,17 +4406,6 @@
                 </a:rPr>
                 <a:t>Geometry Editing</a:t>
               </a:r>
-              <a:endParaRPr lang="en-US" sz="1000" dirty="0" smtClean="0">
-                <a:effectLst>
-                  <a:outerShdw blurRad="38100" dist="38100" dir="2700000" algn="tl">
-                    <a:srgbClr val="000000">
-                      <a:alpha val="43137"/>
-                    </a:srgbClr>
-                  </a:outerShdw>
-                </a:effectLst>
-                <a:latin typeface="微软雅黑" panose="020B0503020204020204" charset="-122"/>
-                <a:ea typeface="微软雅黑" panose="020B0503020204020204" charset="-122"/>
-              </a:endParaRPr>
             </a:p>
             <a:p>
               <a:pPr algn="ctr"/>
@@ -4889,17 +4423,6 @@
                 </a:rPr>
                 <a:t>几何模型编辑</a:t>
               </a:r>
-              <a:endParaRPr lang="zh-CN" altLang="en-US" sz="1000" dirty="0" smtClean="0">
-                <a:effectLst>
-                  <a:outerShdw blurRad="38100" dist="38100" dir="2700000" algn="tl">
-                    <a:srgbClr val="000000">
-                      <a:alpha val="43137"/>
-                    </a:srgbClr>
-                  </a:outerShdw>
-                </a:effectLst>
-                <a:latin typeface="微软雅黑" panose="020B0503020204020204" charset="-122"/>
-                <a:ea typeface="微软雅黑" panose="020B0503020204020204" charset="-122"/>
-              </a:endParaRPr>
             </a:p>
           </p:txBody>
         </p:sp>
@@ -4951,17 +4474,6 @@
                 </a:rPr>
                 <a:t>Design for Manufacturing</a:t>
               </a:r>
-              <a:endParaRPr lang="en-US" sz="1000" dirty="0" smtClean="0">
-                <a:effectLst>
-                  <a:outerShdw blurRad="38100" dist="38100" dir="2700000" algn="tl">
-                    <a:srgbClr val="000000">
-                      <a:alpha val="43137"/>
-                    </a:srgbClr>
-                  </a:outerShdw>
-                </a:effectLst>
-                <a:latin typeface="微软雅黑" panose="020B0503020204020204" charset="-122"/>
-                <a:ea typeface="微软雅黑" panose="020B0503020204020204" charset="-122"/>
-              </a:endParaRPr>
             </a:p>
             <a:p>
               <a:pPr algn="ctr"/>
@@ -4979,17 +4491,6 @@
                 </a:rPr>
                 <a:t>面向制造设计改良</a:t>
               </a:r>
-              <a:endParaRPr lang="zh-CN" altLang="en-US" sz="1000" dirty="0" smtClean="0">
-                <a:effectLst>
-                  <a:outerShdw blurRad="38100" dist="38100" dir="2700000" algn="tl">
-                    <a:srgbClr val="000000">
-                      <a:alpha val="43137"/>
-                    </a:srgbClr>
-                  </a:outerShdw>
-                </a:effectLst>
-                <a:latin typeface="微软雅黑" panose="020B0503020204020204" charset="-122"/>
-                <a:ea typeface="微软雅黑" panose="020B0503020204020204" charset="-122"/>
-              </a:endParaRPr>
             </a:p>
           </p:txBody>
         </p:sp>
@@ -5041,17 +4542,6 @@
                 </a:rPr>
                 <a:t>Computational Geometry</a:t>
               </a:r>
-              <a:endParaRPr lang="en-US" sz="1000" dirty="0" smtClean="0">
-                <a:effectLst>
-                  <a:outerShdw blurRad="38100" dist="38100" dir="2700000" algn="tl">
-                    <a:srgbClr val="000000">
-                      <a:alpha val="43137"/>
-                    </a:srgbClr>
-                  </a:outerShdw>
-                </a:effectLst>
-                <a:latin typeface="微软雅黑" panose="020B0503020204020204" charset="-122"/>
-                <a:ea typeface="微软雅黑" panose="020B0503020204020204" charset="-122"/>
-              </a:endParaRPr>
             </a:p>
             <a:p>
               <a:pPr algn="ctr"/>
@@ -5069,17 +4559,6 @@
                 </a:rPr>
                 <a:t>计算几何</a:t>
               </a:r>
-              <a:endParaRPr lang="zh-CN" altLang="en-US" sz="1000" dirty="0" smtClean="0">
-                <a:effectLst>
-                  <a:outerShdw blurRad="38100" dist="38100" dir="2700000" algn="tl">
-                    <a:srgbClr val="000000">
-                      <a:alpha val="43137"/>
-                    </a:srgbClr>
-                  </a:outerShdw>
-                </a:effectLst>
-                <a:latin typeface="微软雅黑" panose="020B0503020204020204" charset="-122"/>
-                <a:ea typeface="微软雅黑" panose="020B0503020204020204" charset="-122"/>
-              </a:endParaRPr>
             </a:p>
           </p:txBody>
         </p:sp>
@@ -5131,17 +4610,6 @@
                 </a:rPr>
                 <a:t>Discrete Geometry</a:t>
               </a:r>
-              <a:endParaRPr lang="en-US" sz="1000" dirty="0" smtClean="0">
-                <a:effectLst>
-                  <a:outerShdw blurRad="38100" dist="38100" dir="2700000" algn="tl">
-                    <a:srgbClr val="000000">
-                      <a:alpha val="43137"/>
-                    </a:srgbClr>
-                  </a:outerShdw>
-                </a:effectLst>
-                <a:latin typeface="微软雅黑" panose="020B0503020204020204" charset="-122"/>
-                <a:ea typeface="微软雅黑" panose="020B0503020204020204" charset="-122"/>
-              </a:endParaRPr>
             </a:p>
             <a:p>
               <a:pPr algn="ctr"/>
@@ -5159,17 +4627,6 @@
                 </a:rPr>
                 <a:t>离散几何</a:t>
               </a:r>
-              <a:endParaRPr lang="zh-CN" altLang="en-US" sz="1000" dirty="0" smtClean="0">
-                <a:effectLst>
-                  <a:outerShdw blurRad="38100" dist="38100" dir="2700000" algn="tl">
-                    <a:srgbClr val="000000">
-                      <a:alpha val="43137"/>
-                    </a:srgbClr>
-                  </a:outerShdw>
-                </a:effectLst>
-                <a:latin typeface="微软雅黑" panose="020B0503020204020204" charset="-122"/>
-                <a:ea typeface="微软雅黑" panose="020B0503020204020204" charset="-122"/>
-              </a:endParaRPr>
             </a:p>
           </p:txBody>
         </p:sp>
@@ -5221,17 +4678,6 @@
                 </a:rPr>
                 <a:t>Computer Aided Geometry Design</a:t>
               </a:r>
-              <a:endParaRPr lang="en-US" sz="1000" dirty="0" smtClean="0">
-                <a:effectLst>
-                  <a:outerShdw blurRad="38100" dist="38100" dir="2700000" algn="tl">
-                    <a:srgbClr val="000000">
-                      <a:alpha val="43137"/>
-                    </a:srgbClr>
-                  </a:outerShdw>
-                </a:effectLst>
-                <a:latin typeface="微软雅黑" panose="020B0503020204020204" charset="-122"/>
-                <a:ea typeface="微软雅黑" panose="020B0503020204020204" charset="-122"/>
-              </a:endParaRPr>
             </a:p>
             <a:p>
               <a:pPr algn="ctr"/>
@@ -5249,17 +4695,6 @@
                 </a:rPr>
                 <a:t>计算机辅助几何设计</a:t>
               </a:r>
-              <a:endParaRPr lang="zh-CN" altLang="en-US" sz="1000" dirty="0" smtClean="0">
-                <a:effectLst>
-                  <a:outerShdw blurRad="38100" dist="38100" dir="2700000" algn="tl">
-                    <a:srgbClr val="000000">
-                      <a:alpha val="43137"/>
-                    </a:srgbClr>
-                  </a:outerShdw>
-                </a:effectLst>
-                <a:latin typeface="微软雅黑" panose="020B0503020204020204" charset="-122"/>
-                <a:ea typeface="微软雅黑" panose="020B0503020204020204" charset="-122"/>
-              </a:endParaRPr>
             </a:p>
           </p:txBody>
         </p:sp>
@@ -5311,17 +4746,6 @@
                 </a:rPr>
                 <a:t>CPU/GPU Graphics</a:t>
               </a:r>
-              <a:endParaRPr lang="en-US" sz="1000" dirty="0" smtClean="0">
-                <a:effectLst>
-                  <a:outerShdw blurRad="38100" dist="38100" dir="2700000" algn="tl">
-                    <a:srgbClr val="000000">
-                      <a:alpha val="43137"/>
-                    </a:srgbClr>
-                  </a:outerShdw>
-                </a:effectLst>
-                <a:latin typeface="微软雅黑" panose="020B0503020204020204" charset="-122"/>
-                <a:ea typeface="微软雅黑" panose="020B0503020204020204" charset="-122"/>
-              </a:endParaRPr>
             </a:p>
             <a:p>
               <a:pPr algn="ctr"/>
@@ -5339,17 +4763,6 @@
                 </a:rPr>
                 <a:t>计算机图形图像</a:t>
               </a:r>
-              <a:endParaRPr lang="zh-CN" altLang="en-US" sz="1000" dirty="0" smtClean="0">
-                <a:effectLst>
-                  <a:outerShdw blurRad="38100" dist="38100" dir="2700000" algn="tl">
-                    <a:srgbClr val="000000">
-                      <a:alpha val="43137"/>
-                    </a:srgbClr>
-                  </a:outerShdw>
-                </a:effectLst>
-                <a:latin typeface="微软雅黑" panose="020B0503020204020204" charset="-122"/>
-                <a:ea typeface="微软雅黑" panose="020B0503020204020204" charset="-122"/>
-              </a:endParaRPr>
             </a:p>
           </p:txBody>
         </p:sp>
@@ -5401,17 +4814,6 @@
                 </a:rPr>
                 <a:t>Artificial Intelligence</a:t>
               </a:r>
-              <a:endParaRPr lang="en-US" sz="1000" dirty="0" smtClean="0">
-                <a:effectLst>
-                  <a:outerShdw blurRad="38100" dist="38100" dir="2700000" algn="tl">
-                    <a:srgbClr val="000000">
-                      <a:alpha val="43137"/>
-                    </a:srgbClr>
-                  </a:outerShdw>
-                </a:effectLst>
-                <a:latin typeface="微软雅黑" panose="020B0503020204020204" charset="-122"/>
-                <a:ea typeface="微软雅黑" panose="020B0503020204020204" charset="-122"/>
-              </a:endParaRPr>
             </a:p>
             <a:p>
               <a:pPr algn="ctr"/>
@@ -5429,17 +4831,6 @@
                 </a:rPr>
                 <a:t>人工智能</a:t>
               </a:r>
-              <a:endParaRPr lang="zh-CN" altLang="en-US" sz="1000" dirty="0" smtClean="0">
-                <a:effectLst>
-                  <a:outerShdw blurRad="38100" dist="38100" dir="2700000" algn="tl">
-                    <a:srgbClr val="000000">
-                      <a:alpha val="43137"/>
-                    </a:srgbClr>
-                  </a:outerShdw>
-                </a:effectLst>
-                <a:latin typeface="微软雅黑" panose="020B0503020204020204" charset="-122"/>
-                <a:ea typeface="微软雅黑" panose="020B0503020204020204" charset="-122"/>
-              </a:endParaRPr>
             </a:p>
           </p:txBody>
         </p:sp>
@@ -5491,17 +4882,6 @@
                 </a:rPr>
                 <a:t>Numerical Computing</a:t>
               </a:r>
-              <a:endParaRPr lang="en-US" sz="1000" dirty="0" smtClean="0">
-                <a:effectLst>
-                  <a:outerShdw blurRad="38100" dist="38100" dir="2700000" algn="tl">
-                    <a:srgbClr val="000000">
-                      <a:alpha val="43137"/>
-                    </a:srgbClr>
-                  </a:outerShdw>
-                </a:effectLst>
-                <a:latin typeface="微软雅黑" panose="020B0503020204020204" charset="-122"/>
-                <a:ea typeface="微软雅黑" panose="020B0503020204020204" charset="-122"/>
-              </a:endParaRPr>
             </a:p>
             <a:p>
               <a:pPr algn="ctr"/>
@@ -5519,17 +4899,6 @@
                 </a:rPr>
                 <a:t>数值运算</a:t>
               </a:r>
-              <a:endParaRPr lang="zh-CN" altLang="en-US" sz="1000" dirty="0" smtClean="0">
-                <a:effectLst>
-                  <a:outerShdw blurRad="38100" dist="38100" dir="2700000" algn="tl">
-                    <a:srgbClr val="000000">
-                      <a:alpha val="43137"/>
-                    </a:srgbClr>
-                  </a:outerShdw>
-                </a:effectLst>
-                <a:latin typeface="微软雅黑" panose="020B0503020204020204" charset="-122"/>
-                <a:ea typeface="微软雅黑" panose="020B0503020204020204" charset="-122"/>
-              </a:endParaRPr>
             </a:p>
           </p:txBody>
         </p:sp>
@@ -5871,9 +5240,10 @@
       </a:style>
     </a:lnDef>
   </a:objectDefaults>
+  <a:extraClrSchemeLst/>
   <a:extLst>
     <a:ext uri="{05A4C25C-085E-4340-85A3-A5531E510DB2}">
-      <thm15:themeFamily xmlns:thm15="http://schemas.microsoft.com/office/thememl/2012/main" name="Office Theme" id="{62F939B6-93AF-4DB8-9C6B-D6C7DFDC589F}" vid="{4A3C46E8-61CC-4603-A589-7422A47A8E4A}"/>
+      <thm15:themeFamily xmlns:thm15="http://schemas.microsoft.com/office/thememl/2012/main" xmlns="" name="Office Theme" id="{62F939B6-93AF-4DB8-9C6B-D6C7DFDC589F}" vid="{4A3C46E8-61CC-4603-A589-7422A47A8E4A}"/>
     </a:ext>
   </a:extLst>
 </a:theme>
